--- a/RANCANG BANGUN APLIKASI PENILAIAN ESAI SINGKAT BERBAHASA INDONESIA.pptx
+++ b/RANCANG BANGUN APLIKASI PENILAIAN ESAI SINGKAT BERBAHASA INDONESIA.pptx
@@ -295,7 +295,7 @@
           <a:p>
             <a:fld id="{8B75AF9F-377F-4ED5-B12B-2A8B1E9122B4}" type="datetimeFigureOut">
               <a:rPr lang="id-ID" smtClean="0"/>
-              <a:t>30/04/2023</a:t>
+              <a:t>02/05/2023</a:t>
             </a:fld>
             <a:endParaRPr lang="id-ID"/>
           </a:p>
@@ -465,7 +465,7 @@
           <a:p>
             <a:fld id="{8B75AF9F-377F-4ED5-B12B-2A8B1E9122B4}" type="datetimeFigureOut">
               <a:rPr lang="id-ID" smtClean="0"/>
-              <a:t>30/04/2023</a:t>
+              <a:t>02/05/2023</a:t>
             </a:fld>
             <a:endParaRPr lang="id-ID"/>
           </a:p>
@@ -645,7 +645,7 @@
           <a:p>
             <a:fld id="{8B75AF9F-377F-4ED5-B12B-2A8B1E9122B4}" type="datetimeFigureOut">
               <a:rPr lang="id-ID" smtClean="0"/>
-              <a:t>30/04/2023</a:t>
+              <a:t>02/05/2023</a:t>
             </a:fld>
             <a:endParaRPr lang="id-ID"/>
           </a:p>
@@ -815,7 +815,7 @@
           <a:p>
             <a:fld id="{8B75AF9F-377F-4ED5-B12B-2A8B1E9122B4}" type="datetimeFigureOut">
               <a:rPr lang="id-ID" smtClean="0"/>
-              <a:t>30/04/2023</a:t>
+              <a:t>02/05/2023</a:t>
             </a:fld>
             <a:endParaRPr lang="id-ID"/>
           </a:p>
@@ -1083,7 +1083,7 @@
           <a:p>
             <a:fld id="{8B75AF9F-377F-4ED5-B12B-2A8B1E9122B4}" type="datetimeFigureOut">
               <a:rPr lang="id-ID" smtClean="0"/>
-              <a:t>30/04/2023</a:t>
+              <a:t>02/05/2023</a:t>
             </a:fld>
             <a:endParaRPr lang="id-ID"/>
           </a:p>
@@ -1315,7 +1315,7 @@
           <a:p>
             <a:fld id="{8B75AF9F-377F-4ED5-B12B-2A8B1E9122B4}" type="datetimeFigureOut">
               <a:rPr lang="id-ID" smtClean="0"/>
-              <a:t>30/04/2023</a:t>
+              <a:t>02/05/2023</a:t>
             </a:fld>
             <a:endParaRPr lang="id-ID"/>
           </a:p>
@@ -1674,7 +1674,7 @@
           <a:p>
             <a:fld id="{8B75AF9F-377F-4ED5-B12B-2A8B1E9122B4}" type="datetimeFigureOut">
               <a:rPr lang="id-ID" smtClean="0"/>
-              <a:t>30/04/2023</a:t>
+              <a:t>02/05/2023</a:t>
             </a:fld>
             <a:endParaRPr lang="id-ID"/>
           </a:p>
@@ -1815,7 +1815,7 @@
           <a:p>
             <a:fld id="{8B75AF9F-377F-4ED5-B12B-2A8B1E9122B4}" type="datetimeFigureOut">
               <a:rPr lang="id-ID" smtClean="0"/>
-              <a:t>30/04/2023</a:t>
+              <a:t>02/05/2023</a:t>
             </a:fld>
             <a:endParaRPr lang="id-ID"/>
           </a:p>
@@ -1910,7 +1910,7 @@
           <a:p>
             <a:fld id="{8B75AF9F-377F-4ED5-B12B-2A8B1E9122B4}" type="datetimeFigureOut">
               <a:rPr lang="id-ID" smtClean="0"/>
-              <a:t>30/04/2023</a:t>
+              <a:t>02/05/2023</a:t>
             </a:fld>
             <a:endParaRPr lang="id-ID"/>
           </a:p>
@@ -2267,7 +2267,7 @@
           <a:p>
             <a:fld id="{8B75AF9F-377F-4ED5-B12B-2A8B1E9122B4}" type="datetimeFigureOut">
               <a:rPr lang="id-ID" smtClean="0"/>
-              <a:t>30/04/2023</a:t>
+              <a:t>02/05/2023</a:t>
             </a:fld>
             <a:endParaRPr lang="id-ID"/>
           </a:p>
@@ -2624,7 +2624,7 @@
           <a:p>
             <a:fld id="{8B75AF9F-377F-4ED5-B12B-2A8B1E9122B4}" type="datetimeFigureOut">
               <a:rPr lang="id-ID" smtClean="0"/>
-              <a:t>30/04/2023</a:t>
+              <a:t>02/05/2023</a:t>
             </a:fld>
             <a:endParaRPr lang="id-ID"/>
           </a:p>
@@ -2866,7 +2866,7 @@
           <a:p>
             <a:fld id="{8B75AF9F-377F-4ED5-B12B-2A8B1E9122B4}" type="datetimeFigureOut">
               <a:rPr lang="id-ID" smtClean="0"/>
-              <a:t>30/04/2023</a:t>
+              <a:t>02/05/2023</a:t>
             </a:fld>
             <a:endParaRPr lang="id-ID"/>
           </a:p>
@@ -3407,12 +3407,14 @@
         </p:nvSpPr>
         <p:spPr>
           <a:xfrm>
-            <a:off x="1069430" y="4143655"/>
-            <a:ext cx="4344988" cy="1905000"/>
+            <a:off x="1069430" y="4143654"/>
+            <a:ext cx="4344988" cy="2568042"/>
           </a:xfrm>
         </p:spPr>
         <p:txBody>
-          <a:bodyPr/>
+          <a:bodyPr>
+            <a:normAutofit/>
+          </a:bodyPr>
           <a:lstStyle/>
           <a:p>
             <a:pPr algn="r"/>
@@ -3437,6 +3439,28 @@
             <a:r>
               <a:rPr lang="en-US" dirty="0" err="1"/>
               <a:t>Pembimbing</a:t>
+            </a:r>
+            <a:r>
+              <a:rPr lang="en-US" dirty="0"/>
+              <a:t> 2:</a:t>
+            </a:r>
+          </a:p>
+          <a:p>
+            <a:pPr algn="r"/>
+            <a:r>
+              <a:rPr lang="en-US" dirty="0" err="1"/>
+              <a:t>Penguji</a:t>
+            </a:r>
+            <a:r>
+              <a:rPr lang="en-US" dirty="0"/>
+              <a:t> 1:</a:t>
+            </a:r>
+          </a:p>
+          <a:p>
+            <a:pPr algn="r"/>
+            <a:r>
+              <a:rPr lang="en-US" dirty="0" err="1"/>
+              <a:t>Penguji</a:t>
             </a:r>
             <a:r>
               <a:rPr lang="en-US" dirty="0"/>
@@ -3462,8 +3486,8 @@
         </p:nvSpPr>
         <p:spPr>
           <a:xfrm>
-            <a:off x="5507744" y="4143655"/>
-            <a:ext cx="4344988" cy="1905000"/>
+            <a:off x="5507744" y="4143654"/>
+            <a:ext cx="4344988" cy="2293722"/>
           </a:xfrm>
           <a:prstGeom prst="rect">
             <a:avLst/>
@@ -3829,45 +3853,76 @@
           <a:p>
             <a:pPr algn="l"/>
             <a:r>
-              <a:rPr lang="en-US" dirty="0"/>
+              <a:rPr lang="en-US" sz="2000" dirty="0"/>
               <a:t>Geizka </a:t>
             </a:r>
             <a:r>
-              <a:rPr lang="en-US" dirty="0" err="1"/>
+              <a:rPr lang="en-US" sz="2000" dirty="0" err="1"/>
               <a:t>Rozilia</a:t>
             </a:r>
             <a:r>
-              <a:rPr lang="en-US" dirty="0"/>
+              <a:rPr lang="en-US" sz="2000" dirty="0"/>
               <a:t> Ruicosta</a:t>
             </a:r>
           </a:p>
           <a:p>
             <a:pPr algn="l"/>
             <a:r>
-              <a:rPr lang="id-ID" dirty="0"/>
+              <a:rPr lang="id-ID" sz="2000" dirty="0"/>
               <a:t>Ilham Firman Ashari, S.Kom., M.T</a:t>
             </a:r>
-            <a:endParaRPr lang="en-US" dirty="0"/>
+            <a:endParaRPr lang="en-US" sz="2000" dirty="0"/>
           </a:p>
           <a:p>
             <a:pPr algn="l"/>
             <a:r>
-              <a:rPr lang="id-ID" dirty="0"/>
+              <a:rPr lang="id-ID" sz="2000" dirty="0"/>
               <a:t>Mugi </a:t>
             </a:r>
             <a:r>
-              <a:rPr lang="id-ID" dirty="0" err="1"/>
+              <a:rPr lang="id-ID" sz="2000" dirty="0" err="1"/>
               <a:t>Praseptiawan</a:t>
             </a:r>
             <a:r>
-              <a:rPr lang="id-ID" dirty="0"/>
+              <a:rPr lang="id-ID" sz="2000" dirty="0"/>
               <a:t> S.T., </a:t>
             </a:r>
             <a:r>
-              <a:rPr lang="id-ID" dirty="0" err="1"/>
+              <a:rPr lang="id-ID" sz="2000" dirty="0" err="1"/>
               <a:t>M.Kom</a:t>
             </a:r>
-            <a:endParaRPr lang="id-ID" dirty="0"/>
+            <a:endParaRPr lang="en-US" sz="2000" dirty="0"/>
+          </a:p>
+          <a:p>
+            <a:pPr algn="l"/>
+            <a:r>
+              <a:rPr lang="id-ID" sz="2000" dirty="0"/>
+              <a:t>Eko Dwi Nugroho, S.Kom., </a:t>
+            </a:r>
+            <a:r>
+              <a:rPr lang="id-ID" sz="2000" dirty="0" err="1"/>
+              <a:t>M.Cs</a:t>
+            </a:r>
+            <a:r>
+              <a:rPr lang="id-ID" sz="2000" dirty="0"/>
+              <a:t>.</a:t>
+            </a:r>
+            <a:endParaRPr lang="en-US" sz="2000" dirty="0"/>
+          </a:p>
+          <a:p>
+            <a:pPr algn="l"/>
+            <a:r>
+              <a:rPr lang="id-ID" sz="2000" dirty="0"/>
+              <a:t>Miranti </a:t>
+            </a:r>
+            <a:r>
+              <a:rPr lang="id-ID" sz="2000" dirty="0" err="1"/>
+              <a:t>Verdiana</a:t>
+            </a:r>
+            <a:r>
+              <a:rPr lang="id-ID" sz="2000" dirty="0"/>
+              <a:t>, M.Si.</a:t>
+            </a:r>
           </a:p>
         </p:txBody>
       </p:sp>
@@ -4862,13 +4917,13 @@
   <p:clrMapOvr>
     <a:masterClrMapping/>
   </p:clrMapOvr>
-  <mc:AlternateContent xmlns:mc="http://schemas.openxmlformats.org/markup-compatibility/2006">
-    <mc:Choice xmlns:p14="http://schemas.microsoft.com/office/powerpoint/2010/main" Requires="p14">
+  <mc:AlternateContent xmlns:mc="http://schemas.openxmlformats.org/markup-compatibility/2006" xmlns:p14="http://schemas.microsoft.com/office/powerpoint/2010/main">
+    <mc:Choice Requires="p14">
       <p:transition spd="slow" p14:dur="1250">
         <p14:pan dir="u"/>
       </p:transition>
     </mc:Choice>
-    <mc:Fallback>
+    <mc:Fallback xmlns="">
       <p:transition spd="slow">
         <p:fade/>
       </p:transition>
